--- a/docs/diagrams/UndoRedoSequenceDiagram.pptx
+++ b/docs/diagrams/UndoRedoSequenceDiagram.pptx
@@ -208,7 +208,7 @@
           <a:p>
             <a:fld id="{F5CC4B3F-88C1-4FFA-B1B6-F41C21DC6924}" type="datetimeFigureOut">
               <a:rPr lang="en-US" smtClean="0"/>
-              <a:t>7/29/2017</a:t>
+              <a:t>08-Apr-18</a:t>
             </a:fld>
             <a:endParaRPr lang="en-US"/>
           </a:p>
@@ -654,7 +654,7 @@
           <a:p>
             <a:fld id="{78C97017-6FC3-485B-9764-EAC9E56C1D49}" type="datetimeFigureOut">
               <a:rPr lang="en-US" smtClean="0"/>
-              <a:t>7/29/2017</a:t>
+              <a:t>08-Apr-18</a:t>
             </a:fld>
             <a:endParaRPr lang="en-US"/>
           </a:p>
@@ -822,7 +822,7 @@
           <a:p>
             <a:fld id="{78C97017-6FC3-485B-9764-EAC9E56C1D49}" type="datetimeFigureOut">
               <a:rPr lang="en-US" smtClean="0"/>
-              <a:t>7/29/2017</a:t>
+              <a:t>08-Apr-18</a:t>
             </a:fld>
             <a:endParaRPr lang="en-US"/>
           </a:p>
@@ -1000,7 +1000,7 @@
           <a:p>
             <a:fld id="{78C97017-6FC3-485B-9764-EAC9E56C1D49}" type="datetimeFigureOut">
               <a:rPr lang="en-US" smtClean="0"/>
-              <a:t>7/29/2017</a:t>
+              <a:t>08-Apr-18</a:t>
             </a:fld>
             <a:endParaRPr lang="en-US"/>
           </a:p>
@@ -1168,7 +1168,7 @@
           <a:p>
             <a:fld id="{78C97017-6FC3-485B-9764-EAC9E56C1D49}" type="datetimeFigureOut">
               <a:rPr lang="en-US" smtClean="0"/>
-              <a:t>7/29/2017</a:t>
+              <a:t>08-Apr-18</a:t>
             </a:fld>
             <a:endParaRPr lang="en-US"/>
           </a:p>
@@ -1413,7 +1413,7 @@
           <a:p>
             <a:fld id="{78C97017-6FC3-485B-9764-EAC9E56C1D49}" type="datetimeFigureOut">
               <a:rPr lang="en-US" smtClean="0"/>
-              <a:t>7/29/2017</a:t>
+              <a:t>08-Apr-18</a:t>
             </a:fld>
             <a:endParaRPr lang="en-US"/>
           </a:p>
@@ -1698,7 +1698,7 @@
           <a:p>
             <a:fld id="{78C97017-6FC3-485B-9764-EAC9E56C1D49}" type="datetimeFigureOut">
               <a:rPr lang="en-US" smtClean="0"/>
-              <a:t>7/29/2017</a:t>
+              <a:t>08-Apr-18</a:t>
             </a:fld>
             <a:endParaRPr lang="en-US"/>
           </a:p>
@@ -2117,7 +2117,7 @@
           <a:p>
             <a:fld id="{78C97017-6FC3-485B-9764-EAC9E56C1D49}" type="datetimeFigureOut">
               <a:rPr lang="en-US" smtClean="0"/>
-              <a:t>7/29/2017</a:t>
+              <a:t>08-Apr-18</a:t>
             </a:fld>
             <a:endParaRPr lang="en-US"/>
           </a:p>
@@ -2234,7 +2234,7 @@
           <a:p>
             <a:fld id="{78C97017-6FC3-485B-9764-EAC9E56C1D49}" type="datetimeFigureOut">
               <a:rPr lang="en-US" smtClean="0"/>
-              <a:t>7/29/2017</a:t>
+              <a:t>08-Apr-18</a:t>
             </a:fld>
             <a:endParaRPr lang="en-US"/>
           </a:p>
@@ -2329,7 +2329,7 @@
           <a:p>
             <a:fld id="{78C97017-6FC3-485B-9764-EAC9E56C1D49}" type="datetimeFigureOut">
               <a:rPr lang="en-US" smtClean="0"/>
-              <a:t>7/29/2017</a:t>
+              <a:t>08-Apr-18</a:t>
             </a:fld>
             <a:endParaRPr lang="en-US"/>
           </a:p>
@@ -2604,7 +2604,7 @@
           <a:p>
             <a:fld id="{78C97017-6FC3-485B-9764-EAC9E56C1D49}" type="datetimeFigureOut">
               <a:rPr lang="en-US" smtClean="0"/>
-              <a:t>7/29/2017</a:t>
+              <a:t>08-Apr-18</a:t>
             </a:fld>
             <a:endParaRPr lang="en-US"/>
           </a:p>
@@ -2856,7 +2856,7 @@
           <a:p>
             <a:fld id="{78C97017-6FC3-485B-9764-EAC9E56C1D49}" type="datetimeFigureOut">
               <a:rPr lang="en-US" smtClean="0"/>
-              <a:t>7/29/2017</a:t>
+              <a:t>08-Apr-18</a:t>
             </a:fld>
             <a:endParaRPr lang="en-US"/>
           </a:p>
@@ -3067,7 +3067,7 @@
           <a:p>
             <a:fld id="{78C97017-6FC3-485B-9764-EAC9E56C1D49}" type="datetimeFigureOut">
               <a:rPr lang="en-US" smtClean="0"/>
-              <a:t>7/29/2017</a:t>
+              <a:t>08-Apr-18</a:t>
             </a:fld>
             <a:endParaRPr lang="en-US"/>
           </a:p>
@@ -3444,67 +3444,6 @@
       </p:grpSpPr>
       <p:sp>
         <p:nvSpPr>
-          <p:cNvPr id="81" name="Rectangle 65"/>
-          <p:cNvSpPr/>
-          <p:nvPr/>
-        </p:nvSpPr>
-        <p:spPr>
-          <a:xfrm>
-            <a:off x="723900" y="228600"/>
-            <a:ext cx="8847118" cy="4343400"/>
-          </a:xfrm>
-          <a:prstGeom prst="roundRect">
-            <a:avLst>
-              <a:gd name="adj" fmla="val 3484"/>
-            </a:avLst>
-          </a:prstGeom>
-          <a:solidFill>
-            <a:schemeClr val="accent1">
-              <a:lumMod val="20000"/>
-              <a:lumOff val="80000"/>
-            </a:schemeClr>
-          </a:solidFill>
-          <a:ln w="19050">
-            <a:noFill/>
-          </a:ln>
-          <a:effectLst/>
-        </p:spPr>
-        <p:style>
-          <a:lnRef idx="1">
-            <a:schemeClr val="accent2"/>
-          </a:lnRef>
-          <a:fillRef idx="2">
-            <a:schemeClr val="accent2"/>
-          </a:fillRef>
-          <a:effectRef idx="1">
-            <a:schemeClr val="accent2"/>
-          </a:effectRef>
-          <a:fontRef idx="minor">
-            <a:schemeClr val="dk1"/>
-          </a:fontRef>
-        </p:style>
-        <p:txBody>
-          <a:bodyPr rtlCol="0" anchor="t"/>
-          <a:lstStyle/>
-          <a:p>
-            <a:r>
-              <a:rPr lang="en-US" sz="1200" b="1" dirty="0">
-                <a:solidFill>
-                  <a:srgbClr val="0070C0"/>
-                </a:solidFill>
-              </a:rPr>
-              <a:t>Logic</a:t>
-            </a:r>
-            <a:endParaRPr lang="en-SG" sz="1200" b="1" dirty="0">
-              <a:solidFill>
-                <a:srgbClr val="0070C0"/>
-              </a:solidFill>
-            </a:endParaRPr>
-          </a:p>
-        </p:txBody>
-      </p:sp>
-      <p:sp>
-        <p:nvSpPr>
           <p:cNvPr id="2" name="Rectangle 62"/>
           <p:cNvSpPr/>
           <p:nvPr/>
@@ -3700,13 +3639,18 @@
           <a:p>
             <a:pPr algn="ctr"/>
             <a:r>
-              <a:rPr lang="en-US" sz="1600" dirty="0">
+              <a:rPr lang="en-US" sz="1600">
                 <a:solidFill>
                   <a:schemeClr val="bg1"/>
                 </a:solidFill>
               </a:rPr>
-              <a:t>:Address</a:t>
-            </a:r>
+              <a:t>:Coin</a:t>
+            </a:r>
+            <a:endParaRPr lang="en-US" sz="1600" dirty="0">
+              <a:solidFill>
+                <a:schemeClr val="bg1"/>
+              </a:solidFill>
+            </a:endParaRPr>
           </a:p>
           <a:p>
             <a:pPr algn="ctr"/>
